--- a/ProjectN/발표자료.pptx
+++ b/ProjectN/발표자료.pptx
@@ -104,6 +104,11 @@
       </a:defRPr>
     </a:lvl9pPr>
   </p:defaultTextStyle>
+  <p:extLst>
+    <p:ext uri="{EFAFB233-063F-42B5-8137-9DF3F51BA10A}">
+      <p15:sldGuideLst xmlns:p15="http://schemas.microsoft.com/office/powerpoint/2012/main"/>
+    </p:ext>
+  </p:extLst>
 </p:presentation>
 </file>
 
@@ -3429,6 +3434,20 @@
                 <a:latin typeface="AppleSDGothicNeoT00" panose="02000503000000000000" pitchFamily="2" charset="-127"/>
                 <a:ea typeface="AppleSDGothicNeoT00" panose="02000503000000000000" pitchFamily="2" charset="-127"/>
               </a:rPr>
+              <a:t>ChatGPT</a:t>
+            </a:r>
+            <a:r>
+              <a:rPr lang="en-US" altLang="ko-KR" dirty="0">
+                <a:latin typeface="AppleSDGothicNeoT00" panose="02000503000000000000" pitchFamily="2" charset="-127"/>
+                <a:ea typeface="AppleSDGothicNeoT00" panose="02000503000000000000" pitchFamily="2" charset="-127"/>
+              </a:rPr>
+              <a:t>(</a:t>
+            </a:r>
+            <a:r>
+              <a:rPr lang="en-US" altLang="ko-KR" dirty="0" err="1">
+                <a:latin typeface="AppleSDGothicNeoT00" panose="02000503000000000000" pitchFamily="2" charset="-127"/>
+                <a:ea typeface="AppleSDGothicNeoT00" panose="02000503000000000000" pitchFamily="2" charset="-127"/>
+              </a:rPr>
               <a:t>openAI</a:t>
             </a:r>
             <a:r>
@@ -3450,7 +3469,7 @@
                 <a:latin typeface="AppleSDGothicNeoT00" panose="02000503000000000000" pitchFamily="2" charset="-127"/>
                 <a:ea typeface="AppleSDGothicNeoT00" panose="02000503000000000000" pitchFamily="2" charset="-127"/>
               </a:rPr>
-              <a:t>(GPT 3.5 Turbo)</a:t>
+              <a:t>(GPT 3.5 Turbo))</a:t>
             </a:r>
             <a:r>
               <a:rPr lang="ko-KR" altLang="en-US" dirty="0">
@@ -4025,8 +4044,8 @@
         </p:nvSpPr>
         <p:spPr>
           <a:xfrm>
-            <a:off x="711199" y="5014622"/>
-            <a:ext cx="10184198" cy="1777410"/>
+            <a:off x="708498" y="4848760"/>
+            <a:ext cx="5071534" cy="1546577"/>
           </a:xfrm>
           <a:prstGeom prst="rect">
             <a:avLst/>
@@ -4034,7 +4053,7 @@
           <a:noFill/>
         </p:spPr>
         <p:txBody>
-          <a:bodyPr wrap="none" rtlCol="0">
+          <a:bodyPr wrap="square" rtlCol="0">
             <a:spAutoFit/>
           </a:bodyPr>
           <a:lstStyle/>
@@ -4067,21 +4086,21 @@
           </a:p>
           <a:p>
             <a:r>
-              <a:rPr lang="en-US" altLang="ko-KR" sz="900" dirty="0">
+              <a:rPr lang="en-US" altLang="ko-KR" sz="700" dirty="0">
                 <a:latin typeface="AppleSDGothicNeoT00" panose="02000503000000000000" pitchFamily="2" charset="-127"/>
                 <a:ea typeface="AppleSDGothicNeoT00" panose="02000503000000000000" pitchFamily="2" charset="-127"/>
               </a:rPr>
               <a:t>https://whitewing4139.tistory.com/196 =&gt; </a:t>
             </a:r>
             <a:r>
-              <a:rPr lang="en-US" altLang="ko-KR" sz="900" dirty="0" err="1">
+              <a:rPr lang="en-US" altLang="ko-KR" sz="700" dirty="0" err="1">
                 <a:latin typeface="AppleSDGothicNeoT00" panose="02000503000000000000" pitchFamily="2" charset="-127"/>
                 <a:ea typeface="AppleSDGothicNeoT00" panose="02000503000000000000" pitchFamily="2" charset="-127"/>
               </a:rPr>
               <a:t>tkinter</a:t>
             </a:r>
             <a:r>
-              <a:rPr lang="en-US" altLang="ko-KR" sz="900" dirty="0">
+              <a:rPr lang="en-US" altLang="ko-KR" sz="700" dirty="0">
                 <a:latin typeface="AppleSDGothicNeoT00" panose="02000503000000000000" pitchFamily="2" charset="-127"/>
                 <a:ea typeface="AppleSDGothicNeoT00" panose="02000503000000000000" pitchFamily="2" charset="-127"/>
               </a:rPr>
@@ -4090,21 +4109,21 @@
           </a:p>
           <a:p>
             <a:r>
-              <a:rPr lang="en-US" altLang="ko-KR" sz="900" dirty="0">
+              <a:rPr lang="en-US" altLang="ko-KR" sz="700" dirty="0">
                 <a:latin typeface="AppleSDGothicNeoT00" panose="02000503000000000000" pitchFamily="2" charset="-127"/>
                 <a:ea typeface="AppleSDGothicNeoT00" panose="02000503000000000000" pitchFamily="2" charset="-127"/>
               </a:rPr>
               <a:t>https://scribblinganything.tistory.com/278 =&gt; </a:t>
             </a:r>
             <a:r>
-              <a:rPr lang="en-US" altLang="ko-KR" sz="900" dirty="0" err="1">
+              <a:rPr lang="en-US" altLang="ko-KR" sz="700" dirty="0" err="1">
                 <a:latin typeface="AppleSDGothicNeoT00" panose="02000503000000000000" pitchFamily="2" charset="-127"/>
                 <a:ea typeface="AppleSDGothicNeoT00" panose="02000503000000000000" pitchFamily="2" charset="-127"/>
               </a:rPr>
               <a:t>tkinter</a:t>
             </a:r>
             <a:r>
-              <a:rPr lang="en-US" altLang="ko-KR" sz="900" dirty="0">
+              <a:rPr lang="en-US" altLang="ko-KR" sz="700" dirty="0">
                 <a:latin typeface="AppleSDGothicNeoT00" panose="02000503000000000000" pitchFamily="2" charset="-127"/>
                 <a:ea typeface="AppleSDGothicNeoT00" panose="02000503000000000000" pitchFamily="2" charset="-127"/>
               </a:rPr>
@@ -4113,21 +4132,21 @@
           </a:p>
           <a:p>
             <a:r>
-              <a:rPr lang="en-US" altLang="ko-KR" sz="900" dirty="0">
+              <a:rPr lang="en-US" altLang="ko-KR" sz="700" dirty="0">
                 <a:latin typeface="AppleSDGothicNeoT00" panose="02000503000000000000" pitchFamily="2" charset="-127"/>
                 <a:ea typeface="AppleSDGothicNeoT00" panose="02000503000000000000" pitchFamily="2" charset="-127"/>
               </a:rPr>
               <a:t>https://blog.naver.com/PostView.nhn?blogId=audiendo&amp;logNo=220791080634 =&gt; </a:t>
             </a:r>
             <a:r>
-              <a:rPr lang="en-US" altLang="ko-KR" sz="900" dirty="0" err="1">
+              <a:rPr lang="en-US" altLang="ko-KR" sz="700" dirty="0" err="1">
                 <a:latin typeface="AppleSDGothicNeoT00" panose="02000503000000000000" pitchFamily="2" charset="-127"/>
                 <a:ea typeface="AppleSDGothicNeoT00" panose="02000503000000000000" pitchFamily="2" charset="-127"/>
               </a:rPr>
               <a:t>tkinter</a:t>
             </a:r>
             <a:r>
-              <a:rPr lang="en-US" altLang="ko-KR" sz="900" dirty="0">
+              <a:rPr lang="en-US" altLang="ko-KR" sz="700" dirty="0">
                 <a:latin typeface="AppleSDGothicNeoT00" panose="02000503000000000000" pitchFamily="2" charset="-127"/>
                 <a:ea typeface="AppleSDGothicNeoT00" panose="02000503000000000000" pitchFamily="2" charset="-127"/>
               </a:rPr>
@@ -4136,21 +4155,21 @@
           </a:p>
           <a:p>
             <a:r>
-              <a:rPr lang="en-US" altLang="ko-KR" sz="900" dirty="0">
+              <a:rPr lang="en-US" altLang="ko-KR" sz="700" dirty="0">
                 <a:latin typeface="AppleSDGothicNeoT00" panose="02000503000000000000" pitchFamily="2" charset="-127"/>
                 <a:ea typeface="AppleSDGothicNeoT00" panose="02000503000000000000" pitchFamily="2" charset="-127"/>
               </a:rPr>
               <a:t>https://whitewing4139.tistory.com/186 =&gt; </a:t>
             </a:r>
             <a:r>
-              <a:rPr lang="en-US" altLang="ko-KR" sz="900" dirty="0" err="1">
+              <a:rPr lang="en-US" altLang="ko-KR" sz="700" dirty="0" err="1">
                 <a:latin typeface="AppleSDGothicNeoT00" panose="02000503000000000000" pitchFamily="2" charset="-127"/>
                 <a:ea typeface="AppleSDGothicNeoT00" panose="02000503000000000000" pitchFamily="2" charset="-127"/>
               </a:rPr>
               <a:t>tkinter</a:t>
             </a:r>
             <a:r>
-              <a:rPr lang="en-US" altLang="ko-KR" sz="900" dirty="0">
+              <a:rPr lang="en-US" altLang="ko-KR" sz="700" dirty="0">
                 <a:latin typeface="AppleSDGothicNeoT00" panose="02000503000000000000" pitchFamily="2" charset="-127"/>
                 <a:ea typeface="AppleSDGothicNeoT00" panose="02000503000000000000" pitchFamily="2" charset="-127"/>
               </a:rPr>
@@ -4159,35 +4178,35 @@
           </a:p>
           <a:p>
             <a:r>
-              <a:rPr lang="en-US" altLang="ko-KR" sz="900" dirty="0">
+              <a:rPr lang="en-US" altLang="ko-KR" sz="700" dirty="0">
                 <a:latin typeface="AppleSDGothicNeoT00" panose="02000503000000000000" pitchFamily="2" charset="-127"/>
                 <a:ea typeface="AppleSDGothicNeoT00" panose="02000503000000000000" pitchFamily="2" charset="-127"/>
               </a:rPr>
               <a:t>https://platform.openai.com/docs/libraries =&gt; </a:t>
             </a:r>
             <a:r>
-              <a:rPr lang="en-US" altLang="ko-KR" sz="900" dirty="0" err="1">
+              <a:rPr lang="en-US" altLang="ko-KR" sz="700" dirty="0" err="1">
                 <a:latin typeface="AppleSDGothicNeoT00" panose="02000503000000000000" pitchFamily="2" charset="-127"/>
                 <a:ea typeface="AppleSDGothicNeoT00" panose="02000503000000000000" pitchFamily="2" charset="-127"/>
               </a:rPr>
               <a:t>openAi</a:t>
             </a:r>
             <a:r>
-              <a:rPr lang="en-US" altLang="ko-KR" sz="900" dirty="0">
+              <a:rPr lang="en-US" altLang="ko-KR" sz="700" dirty="0">
                 <a:latin typeface="AppleSDGothicNeoT00" panose="02000503000000000000" pitchFamily="2" charset="-127"/>
                 <a:ea typeface="AppleSDGothicNeoT00" panose="02000503000000000000" pitchFamily="2" charset="-127"/>
               </a:rPr>
               <a:t> library (to use </a:t>
             </a:r>
             <a:r>
-              <a:rPr lang="en-US" altLang="ko-KR" sz="900" dirty="0" err="1">
+              <a:rPr lang="en-US" altLang="ko-KR" sz="700" dirty="0" err="1">
                 <a:latin typeface="AppleSDGothicNeoT00" panose="02000503000000000000" pitchFamily="2" charset="-127"/>
                 <a:ea typeface="AppleSDGothicNeoT00" panose="02000503000000000000" pitchFamily="2" charset="-127"/>
               </a:rPr>
               <a:t>chatGPT</a:t>
             </a:r>
             <a:r>
-              <a:rPr lang="en-US" altLang="ko-KR" sz="900" dirty="0">
+              <a:rPr lang="en-US" altLang="ko-KR" sz="700" dirty="0">
                 <a:latin typeface="AppleSDGothicNeoT00" panose="02000503000000000000" pitchFamily="2" charset="-127"/>
                 <a:ea typeface="AppleSDGothicNeoT00" panose="02000503000000000000" pitchFamily="2" charset="-127"/>
               </a:rPr>
@@ -4196,21 +4215,21 @@
           </a:p>
           <a:p>
             <a:r>
-              <a:rPr lang="en-US" altLang="ko-KR" sz="900" dirty="0">
+              <a:rPr lang="en-US" altLang="ko-KR" sz="700" dirty="0">
                 <a:latin typeface="AppleSDGothicNeoT00" panose="02000503000000000000" pitchFamily="2" charset="-127"/>
                 <a:ea typeface="AppleSDGothicNeoT00" panose="02000503000000000000" pitchFamily="2" charset="-127"/>
               </a:rPr>
               <a:t>https://kblck.com/487 =&gt; solve </a:t>
             </a:r>
             <a:r>
-              <a:rPr lang="en-US" altLang="ko-KR" sz="900" dirty="0" err="1">
+              <a:rPr lang="en-US" altLang="ko-KR" sz="700" dirty="0" err="1">
                 <a:latin typeface="AppleSDGothicNeoT00" panose="02000503000000000000" pitchFamily="2" charset="-127"/>
                 <a:ea typeface="AppleSDGothicNeoT00" panose="02000503000000000000" pitchFamily="2" charset="-127"/>
               </a:rPr>
               <a:t>pyyaml</a:t>
             </a:r>
             <a:r>
-              <a:rPr lang="en-US" altLang="ko-KR" sz="900" dirty="0">
+              <a:rPr lang="en-US" altLang="ko-KR" sz="700" dirty="0">
                 <a:latin typeface="AppleSDGothicNeoT00" panose="02000503000000000000" pitchFamily="2" charset="-127"/>
                 <a:ea typeface="AppleSDGothicNeoT00" panose="02000503000000000000" pitchFamily="2" charset="-127"/>
               </a:rPr>
@@ -4219,7 +4238,7 @@
           </a:p>
           <a:p>
             <a:r>
-              <a:rPr lang="en-US" altLang="ko-KR" sz="900" dirty="0">
+              <a:rPr lang="en-US" altLang="ko-KR" sz="700" dirty="0">
                 <a:latin typeface="AppleSDGothicNeoT00" panose="02000503000000000000" pitchFamily="2" charset="-127"/>
                 <a:ea typeface="AppleSDGothicNeoT00" panose="02000503000000000000" pitchFamily="2" charset="-127"/>
               </a:rPr>
@@ -4228,7 +4247,7 @@
           </a:p>
           <a:p>
             <a:r>
-              <a:rPr lang="en-US" altLang="ko-KR" sz="900" dirty="0">
+              <a:rPr lang="en-US" altLang="ko-KR" sz="700" dirty="0">
                 <a:latin typeface="AppleSDGothicNeoT00" panose="02000503000000000000" pitchFamily="2" charset="-127"/>
                 <a:ea typeface="AppleSDGothicNeoT00" panose="02000503000000000000" pitchFamily="2" charset="-127"/>
               </a:rPr>
@@ -4237,7 +4256,7 @@
           </a:p>
           <a:p>
             <a:r>
-              <a:rPr lang="en-US" altLang="ko-KR" sz="900" dirty="0">
+              <a:rPr lang="en-US" altLang="ko-KR" sz="700" dirty="0">
                 <a:latin typeface="AppleSDGothicNeoT00" panose="02000503000000000000" pitchFamily="2" charset="-127"/>
                 <a:ea typeface="AppleSDGothicNeoT00" panose="02000503000000000000" pitchFamily="2" charset="-127"/>
               </a:rPr>
@@ -4246,7 +4265,7 @@
           </a:p>
           <a:p>
             <a:r>
-              <a:rPr lang="en-US" altLang="ko-KR" sz="900" dirty="0">
+              <a:rPr lang="en-US" altLang="ko-KR" sz="700" dirty="0">
                 <a:latin typeface="AppleSDGothicNeoT00" panose="02000503000000000000" pitchFamily="2" charset="-127"/>
                 <a:ea typeface="AppleSDGothicNeoT00" panose="02000503000000000000" pitchFamily="2" charset="-127"/>
               </a:rPr>
@@ -4255,13 +4274,216 @@
           </a:p>
           <a:p>
             <a:r>
-              <a:rPr lang="en-US" altLang="ko-KR" sz="900" dirty="0">
+              <a:rPr lang="en-US" altLang="ko-KR" sz="700" dirty="0">
                 <a:latin typeface="AppleSDGothicNeoT00" panose="02000503000000000000" pitchFamily="2" charset="-127"/>
                 <a:ea typeface="AppleSDGothicNeoT00" panose="02000503000000000000" pitchFamily="2" charset="-127"/>
               </a:rPr>
               <a:t>https://076923.github.io/posts/Python-tkinter-22/ =&gt; image</a:t>
             </a:r>
-            <a:endParaRPr lang="ko-KR" altLang="en-US" sz="900" dirty="0">
+            <a:endParaRPr lang="ko-KR" altLang="en-US" sz="700" dirty="0">
+              <a:latin typeface="AppleSDGothicNeoT00" panose="02000503000000000000" pitchFamily="2" charset="-127"/>
+              <a:ea typeface="AppleSDGothicNeoT00" panose="02000503000000000000" pitchFamily="2" charset="-127"/>
+            </a:endParaRPr>
+          </a:p>
+        </p:txBody>
+      </p:sp>
+      <p:sp>
+        <p:nvSpPr>
+          <p:cNvPr id="2" name="TextBox 1">
+            <a:extLst>
+              <a:ext uri="{FF2B5EF4-FFF2-40B4-BE49-F238E27FC236}">
+                <a16:creationId xmlns:a16="http://schemas.microsoft.com/office/drawing/2014/main" id="{CC8BDECF-0DC3-27E3-69C8-28C9C9561B86}"/>
+              </a:ext>
+            </a:extLst>
+          </p:cNvPr>
+          <p:cNvSpPr txBox="1"/>
+          <p:nvPr/>
+        </p:nvSpPr>
+        <p:spPr>
+          <a:xfrm>
+            <a:off x="5651373" y="4848760"/>
+            <a:ext cx="5071534" cy="1115690"/>
+          </a:xfrm>
+          <a:prstGeom prst="rect">
+            <a:avLst/>
+          </a:prstGeom>
+          <a:noFill/>
+        </p:spPr>
+        <p:txBody>
+          <a:bodyPr wrap="square" rtlCol="0">
+            <a:spAutoFit/>
+          </a:bodyPr>
+          <a:lstStyle/>
+          <a:p>
+            <a:r>
+              <a:rPr lang="ko-KR" altLang="en-US" sz="1050" dirty="0">
+                <a:latin typeface="AppleSDGothicNeoT00" panose="02000503000000000000" pitchFamily="2" charset="-127"/>
+                <a:ea typeface="AppleSDGothicNeoT00" panose="02000503000000000000" pitchFamily="2" charset="-127"/>
+              </a:rPr>
+              <a:t>사용한 라이브러리</a:t>
+            </a:r>
+            <a:endParaRPr lang="en-US" altLang="ko-KR" sz="1050" dirty="0">
+              <a:latin typeface="AppleSDGothicNeoT00" panose="02000503000000000000" pitchFamily="2" charset="-127"/>
+              <a:ea typeface="AppleSDGothicNeoT00" panose="02000503000000000000" pitchFamily="2" charset="-127"/>
+            </a:endParaRPr>
+          </a:p>
+          <a:p>
+            <a:r>
+              <a:rPr lang="en-US" altLang="ko-KR" sz="700" dirty="0" err="1">
+                <a:latin typeface="AppleSDGothicNeoT00" panose="02000503000000000000" pitchFamily="2" charset="-127"/>
+                <a:ea typeface="AppleSDGothicNeoT00" panose="02000503000000000000" pitchFamily="2" charset="-127"/>
+              </a:rPr>
+              <a:t>Tkinter</a:t>
+            </a:r>
+            <a:r>
+              <a:rPr lang="en-US" altLang="ko-KR" sz="700" dirty="0">
+                <a:latin typeface="AppleSDGothicNeoT00" panose="02000503000000000000" pitchFamily="2" charset="-127"/>
+                <a:ea typeface="AppleSDGothicNeoT00" panose="02000503000000000000" pitchFamily="2" charset="-127"/>
+              </a:rPr>
+              <a:t> (pip install </a:t>
+            </a:r>
+            <a:r>
+              <a:rPr lang="en-US" altLang="ko-KR" sz="700" dirty="0" err="1">
+                <a:latin typeface="AppleSDGothicNeoT00" panose="02000503000000000000" pitchFamily="2" charset="-127"/>
+                <a:ea typeface="AppleSDGothicNeoT00" panose="02000503000000000000" pitchFamily="2" charset="-127"/>
+              </a:rPr>
+              <a:t>tk</a:t>
+            </a:r>
+            <a:r>
+              <a:rPr lang="en-US" altLang="ko-KR" sz="700" dirty="0">
+                <a:latin typeface="AppleSDGothicNeoT00" panose="02000503000000000000" pitchFamily="2" charset="-127"/>
+                <a:ea typeface="AppleSDGothicNeoT00" panose="02000503000000000000" pitchFamily="2" charset="-127"/>
+              </a:rPr>
+              <a:t>)</a:t>
+            </a:r>
+          </a:p>
+          <a:p>
+            <a:r>
+              <a:rPr lang="en-US" altLang="ko-KR" sz="700" dirty="0" err="1">
+                <a:latin typeface="AppleSDGothicNeoT00" panose="02000503000000000000" pitchFamily="2" charset="-127"/>
+                <a:ea typeface="AppleSDGothicNeoT00" panose="02000503000000000000" pitchFamily="2" charset="-127"/>
+              </a:rPr>
+              <a:t>openAI</a:t>
+            </a:r>
+            <a:r>
+              <a:rPr lang="en-US" altLang="ko-KR" sz="700" dirty="0">
+                <a:latin typeface="AppleSDGothicNeoT00" panose="02000503000000000000" pitchFamily="2" charset="-127"/>
+                <a:ea typeface="AppleSDGothicNeoT00" panose="02000503000000000000" pitchFamily="2" charset="-127"/>
+              </a:rPr>
+              <a:t> (pip install </a:t>
+            </a:r>
+            <a:r>
+              <a:rPr lang="en-US" altLang="ko-KR" sz="700" dirty="0" err="1">
+                <a:latin typeface="AppleSDGothicNeoT00" panose="02000503000000000000" pitchFamily="2" charset="-127"/>
+                <a:ea typeface="AppleSDGothicNeoT00" panose="02000503000000000000" pitchFamily="2" charset="-127"/>
+              </a:rPr>
+              <a:t>openai</a:t>
+            </a:r>
+            <a:r>
+              <a:rPr lang="en-US" altLang="ko-KR" sz="700" dirty="0">
+                <a:latin typeface="AppleSDGothicNeoT00" panose="02000503000000000000" pitchFamily="2" charset="-127"/>
+                <a:ea typeface="AppleSDGothicNeoT00" panose="02000503000000000000" pitchFamily="2" charset="-127"/>
+              </a:rPr>
+              <a:t>)</a:t>
+            </a:r>
+          </a:p>
+          <a:p>
+            <a:r>
+              <a:rPr lang="en-US" altLang="ko-KR" sz="700" dirty="0" err="1">
+                <a:latin typeface="AppleSDGothicNeoT00" panose="02000503000000000000" pitchFamily="2" charset="-127"/>
+                <a:ea typeface="AppleSDGothicNeoT00" panose="02000503000000000000" pitchFamily="2" charset="-127"/>
+              </a:rPr>
+              <a:t>Pyyaml</a:t>
+            </a:r>
+            <a:r>
+              <a:rPr lang="en-US" altLang="ko-KR" sz="700" dirty="0">
+                <a:latin typeface="AppleSDGothicNeoT00" panose="02000503000000000000" pitchFamily="2" charset="-127"/>
+                <a:ea typeface="AppleSDGothicNeoT00" panose="02000503000000000000" pitchFamily="2" charset="-127"/>
+              </a:rPr>
+              <a:t> (pip install </a:t>
+            </a:r>
+            <a:r>
+              <a:rPr lang="en-US" altLang="ko-KR" sz="700" dirty="0" err="1">
+                <a:latin typeface="AppleSDGothicNeoT00" panose="02000503000000000000" pitchFamily="2" charset="-127"/>
+                <a:ea typeface="AppleSDGothicNeoT00" panose="02000503000000000000" pitchFamily="2" charset="-127"/>
+              </a:rPr>
+              <a:t>pyyaml</a:t>
+            </a:r>
+            <a:r>
+              <a:rPr lang="en-US" altLang="ko-KR" sz="700" dirty="0">
+                <a:latin typeface="AppleSDGothicNeoT00" panose="02000503000000000000" pitchFamily="2" charset="-127"/>
+                <a:ea typeface="AppleSDGothicNeoT00" panose="02000503000000000000" pitchFamily="2" charset="-127"/>
+              </a:rPr>
+              <a:t>)</a:t>
+            </a:r>
+          </a:p>
+          <a:p>
+            <a:endParaRPr lang="en-US" altLang="ko-KR" sz="700" dirty="0">
+              <a:latin typeface="AppleSDGothicNeoT00" panose="02000503000000000000" pitchFamily="2" charset="-127"/>
+              <a:ea typeface="AppleSDGothicNeoT00" panose="02000503000000000000" pitchFamily="2" charset="-127"/>
+            </a:endParaRPr>
+          </a:p>
+          <a:p>
+            <a:r>
+              <a:rPr lang="ko-KR" altLang="en-US" sz="700" dirty="0">
+                <a:latin typeface="AppleSDGothicNeoT00" panose="02000503000000000000" pitchFamily="2" charset="-127"/>
+                <a:ea typeface="AppleSDGothicNeoT00" panose="02000503000000000000" pitchFamily="2" charset="-127"/>
+              </a:rPr>
+              <a:t>존재하지만 사용하지 않은 라이브러리</a:t>
+            </a:r>
+            <a:endParaRPr lang="en-US" altLang="ko-KR" sz="700" dirty="0">
+              <a:latin typeface="AppleSDGothicNeoT00" panose="02000503000000000000" pitchFamily="2" charset="-127"/>
+              <a:ea typeface="AppleSDGothicNeoT00" panose="02000503000000000000" pitchFamily="2" charset="-127"/>
+            </a:endParaRPr>
+          </a:p>
+          <a:p>
+            <a:r>
+              <a:rPr lang="en-US" altLang="ko-KR" sz="700" dirty="0" err="1">
+                <a:latin typeface="AppleSDGothicNeoT00" panose="02000503000000000000" pitchFamily="2" charset="-127"/>
+                <a:ea typeface="AppleSDGothicNeoT00" panose="02000503000000000000" pitchFamily="2" charset="-127"/>
+              </a:rPr>
+              <a:t>MinePI</a:t>
+            </a:r>
+            <a:r>
+              <a:rPr lang="en-US" altLang="ko-KR" sz="700" dirty="0">
+                <a:latin typeface="AppleSDGothicNeoT00" panose="02000503000000000000" pitchFamily="2" charset="-127"/>
+                <a:ea typeface="AppleSDGothicNeoT00" panose="02000503000000000000" pitchFamily="2" charset="-127"/>
+              </a:rPr>
+              <a:t> (pip install </a:t>
+            </a:r>
+            <a:r>
+              <a:rPr lang="en-US" altLang="ko-KR" sz="700" dirty="0" err="1">
+                <a:latin typeface="AppleSDGothicNeoT00" panose="02000503000000000000" pitchFamily="2" charset="-127"/>
+                <a:ea typeface="AppleSDGothicNeoT00" panose="02000503000000000000" pitchFamily="2" charset="-127"/>
+              </a:rPr>
+              <a:t>MinePI</a:t>
+            </a:r>
+            <a:r>
+              <a:rPr lang="en-US" altLang="ko-KR" sz="700" dirty="0">
+                <a:latin typeface="AppleSDGothicNeoT00" panose="02000503000000000000" pitchFamily="2" charset="-127"/>
+                <a:ea typeface="AppleSDGothicNeoT00" panose="02000503000000000000" pitchFamily="2" charset="-127"/>
+              </a:rPr>
+              <a:t> –U)</a:t>
+            </a:r>
+          </a:p>
+          <a:p>
+            <a:r>
+              <a:rPr lang="en-US" altLang="ko-KR" sz="700" dirty="0">
+                <a:latin typeface="AppleSDGothicNeoT00" panose="02000503000000000000" pitchFamily="2" charset="-127"/>
+                <a:ea typeface="AppleSDGothicNeoT00" panose="02000503000000000000" pitchFamily="2" charset="-127"/>
+              </a:rPr>
+              <a:t>Requests (pip install requests)</a:t>
+            </a:r>
+          </a:p>
+          <a:p>
+            <a:r>
+              <a:rPr lang="en-US" altLang="ko-KR" sz="700" dirty="0">
+                <a:latin typeface="AppleSDGothicNeoT00" panose="02000503000000000000" pitchFamily="2" charset="-127"/>
+                <a:ea typeface="AppleSDGothicNeoT00" panose="02000503000000000000" pitchFamily="2" charset="-127"/>
+              </a:rPr>
+              <a:t>Bs4 (pip install bs4)</a:t>
+            </a:r>
+            <a:endParaRPr lang="ko-KR" altLang="en-US" sz="700" dirty="0">
               <a:latin typeface="AppleSDGothicNeoT00" panose="02000503000000000000" pitchFamily="2" charset="-127"/>
               <a:ea typeface="AppleSDGothicNeoT00" panose="02000503000000000000" pitchFamily="2" charset="-127"/>
             </a:endParaRPr>

--- a/ProjectN/발표자료.pptx
+++ b/ProjectN/발표자료.pptx
@@ -259,7 +259,7 @@
           <a:p>
             <a:fld id="{D5348A8A-76D7-463C-ACD9-080482741959}" type="datetimeFigureOut">
               <a:rPr lang="ko-KR" altLang="en-US" smtClean="0"/>
-              <a:t>2023-05-20</a:t>
+              <a:t>2023-05-22</a:t>
             </a:fld>
             <a:endParaRPr lang="ko-KR" altLang="en-US"/>
           </a:p>
@@ -457,7 +457,7 @@
           <a:p>
             <a:fld id="{D5348A8A-76D7-463C-ACD9-080482741959}" type="datetimeFigureOut">
               <a:rPr lang="ko-KR" altLang="en-US" smtClean="0"/>
-              <a:t>2023-05-20</a:t>
+              <a:t>2023-05-22</a:t>
             </a:fld>
             <a:endParaRPr lang="ko-KR" altLang="en-US"/>
           </a:p>
@@ -665,7 +665,7 @@
           <a:p>
             <a:fld id="{D5348A8A-76D7-463C-ACD9-080482741959}" type="datetimeFigureOut">
               <a:rPr lang="ko-KR" altLang="en-US" smtClean="0"/>
-              <a:t>2023-05-20</a:t>
+              <a:t>2023-05-22</a:t>
             </a:fld>
             <a:endParaRPr lang="ko-KR" altLang="en-US"/>
           </a:p>
@@ -863,7 +863,7 @@
           <a:p>
             <a:fld id="{D5348A8A-76D7-463C-ACD9-080482741959}" type="datetimeFigureOut">
               <a:rPr lang="ko-KR" altLang="en-US" smtClean="0"/>
-              <a:t>2023-05-20</a:t>
+              <a:t>2023-05-22</a:t>
             </a:fld>
             <a:endParaRPr lang="ko-KR" altLang="en-US"/>
           </a:p>
@@ -1138,7 +1138,7 @@
           <a:p>
             <a:fld id="{D5348A8A-76D7-463C-ACD9-080482741959}" type="datetimeFigureOut">
               <a:rPr lang="ko-KR" altLang="en-US" smtClean="0"/>
-              <a:t>2023-05-20</a:t>
+              <a:t>2023-05-22</a:t>
             </a:fld>
             <a:endParaRPr lang="ko-KR" altLang="en-US"/>
           </a:p>
@@ -1403,7 +1403,7 @@
           <a:p>
             <a:fld id="{D5348A8A-76D7-463C-ACD9-080482741959}" type="datetimeFigureOut">
               <a:rPr lang="ko-KR" altLang="en-US" smtClean="0"/>
-              <a:t>2023-05-20</a:t>
+              <a:t>2023-05-22</a:t>
             </a:fld>
             <a:endParaRPr lang="ko-KR" altLang="en-US"/>
           </a:p>
@@ -1815,7 +1815,7 @@
           <a:p>
             <a:fld id="{D5348A8A-76D7-463C-ACD9-080482741959}" type="datetimeFigureOut">
               <a:rPr lang="ko-KR" altLang="en-US" smtClean="0"/>
-              <a:t>2023-05-20</a:t>
+              <a:t>2023-05-22</a:t>
             </a:fld>
             <a:endParaRPr lang="ko-KR" altLang="en-US"/>
           </a:p>
@@ -1956,7 +1956,7 @@
           <a:p>
             <a:fld id="{D5348A8A-76D7-463C-ACD9-080482741959}" type="datetimeFigureOut">
               <a:rPr lang="ko-KR" altLang="en-US" smtClean="0"/>
-              <a:t>2023-05-20</a:t>
+              <a:t>2023-05-22</a:t>
             </a:fld>
             <a:endParaRPr lang="ko-KR" altLang="en-US"/>
           </a:p>
@@ -2069,7 +2069,7 @@
           <a:p>
             <a:fld id="{D5348A8A-76D7-463C-ACD9-080482741959}" type="datetimeFigureOut">
               <a:rPr lang="ko-KR" altLang="en-US" smtClean="0"/>
-              <a:t>2023-05-20</a:t>
+              <a:t>2023-05-22</a:t>
             </a:fld>
             <a:endParaRPr lang="ko-KR" altLang="en-US"/>
           </a:p>
@@ -2380,7 +2380,7 @@
           <a:p>
             <a:fld id="{D5348A8A-76D7-463C-ACD9-080482741959}" type="datetimeFigureOut">
               <a:rPr lang="ko-KR" altLang="en-US" smtClean="0"/>
-              <a:t>2023-05-20</a:t>
+              <a:t>2023-05-22</a:t>
             </a:fld>
             <a:endParaRPr lang="ko-KR" altLang="en-US"/>
           </a:p>
@@ -2668,7 +2668,7 @@
           <a:p>
             <a:fld id="{D5348A8A-76D7-463C-ACD9-080482741959}" type="datetimeFigureOut">
               <a:rPr lang="ko-KR" altLang="en-US" smtClean="0"/>
-              <a:t>2023-05-20</a:t>
+              <a:t>2023-05-22</a:t>
             </a:fld>
             <a:endParaRPr lang="ko-KR" altLang="en-US"/>
           </a:p>
@@ -2909,7 +2909,7 @@
           <a:p>
             <a:fld id="{D5348A8A-76D7-463C-ACD9-080482741959}" type="datetimeFigureOut">
               <a:rPr lang="ko-KR" altLang="en-US" smtClean="0"/>
-              <a:t>2023-05-20</a:t>
+              <a:t>2023-05-22</a:t>
             </a:fld>
             <a:endParaRPr lang="ko-KR" altLang="en-US"/>
           </a:p>
@@ -3469,7 +3469,7 @@
                 <a:latin typeface="AppleSDGothicNeoT00" panose="02000503000000000000" pitchFamily="2" charset="-127"/>
                 <a:ea typeface="AppleSDGothicNeoT00" panose="02000503000000000000" pitchFamily="2" charset="-127"/>
               </a:rPr>
-              <a:t>(GPT 3.5 Turbo))</a:t>
+              <a:t>(GPT-3.5-Turbo))</a:t>
             </a:r>
             <a:r>
               <a:rPr lang="ko-KR" altLang="en-US" dirty="0">
@@ -3962,7 +3962,7 @@
         <p:spPr>
           <a:xfrm>
             <a:off x="4461932" y="982035"/>
-            <a:ext cx="4517583" cy="461665"/>
+            <a:ext cx="5051383" cy="461665"/>
           </a:xfrm>
           <a:prstGeom prst="rect">
             <a:avLst/>
@@ -4021,7 +4021,7 @@
                 <a:latin typeface="AppleSDGothicNeoUL00" panose="02000503000000000000" pitchFamily="2" charset="-127"/>
                 <a:ea typeface="AppleSDGothicNeoUL00" panose="02000503000000000000" pitchFamily="2" charset="-127"/>
               </a:rPr>
-              <a:t>Link : https://github.com/superoreoooooo/S231/tree/master/ProjectN</a:t>
+              <a:t>Source Code : https://github.com/superoreoooooo/S231/tree/master/ProjectN</a:t>
             </a:r>
             <a:endParaRPr lang="ko-KR" altLang="en-US" sz="1200" dirty="0">
               <a:latin typeface="AppleSDGothicNeoUL00" panose="02000503000000000000" pitchFamily="2" charset="-127"/>
